--- a/alt.net.RoR.pptx
+++ b/alt.net.RoR.pptx
@@ -197,7 +197,8 @@
           <a:p>
             <a:fld id="{91364C4D-CDC0-42DC-96CF-C429E947DBBB}" type="datetimeFigureOut">
               <a:rPr lang="en-US" smtClean="0"/>
-              <a:t>9/4/2008</a:t>
+              <a:pPr/>
+              <a:t>9/5/2008</a:t>
             </a:fld>
             <a:endParaRPr lang="en-US"/>
           </a:p>
@@ -358,6 +359,7 @@
           <a:p>
             <a:fld id="{535C3763-F88D-4AE7-943D-40254BAF7CE9}" type="slidenum">
               <a:rPr lang="en-US" smtClean="0"/>
+              <a:pPr/>
               <a:t>‹#›</a:t>
             </a:fld>
             <a:endParaRPr lang="en-US"/>
@@ -846,7 +848,8 @@
           <a:p>
             <a:fld id="{05764686-8DDE-4FC0-A141-4E8A30DD68A3}" type="datetimeFigureOut">
               <a:rPr lang="en-US" smtClean="0"/>
-              <a:t>9/4/2008</a:t>
+              <a:pPr/>
+              <a:t>9/5/2008</a:t>
             </a:fld>
             <a:endParaRPr lang="en-US"/>
           </a:p>
@@ -888,6 +891,7 @@
           <a:p>
             <a:fld id="{1E60F443-6D4E-430A-8DF4-6742311E47BD}" type="slidenum">
               <a:rPr lang="en-US" smtClean="0"/>
+              <a:pPr/>
               <a:t>‹#›</a:t>
             </a:fld>
             <a:endParaRPr lang="en-US"/>
@@ -1011,7 +1015,8 @@
           <a:p>
             <a:fld id="{05764686-8DDE-4FC0-A141-4E8A30DD68A3}" type="datetimeFigureOut">
               <a:rPr lang="en-US" smtClean="0"/>
-              <a:t>9/4/2008</a:t>
+              <a:pPr/>
+              <a:t>9/5/2008</a:t>
             </a:fld>
             <a:endParaRPr lang="en-US"/>
           </a:p>
@@ -1053,6 +1058,7 @@
           <a:p>
             <a:fld id="{1E60F443-6D4E-430A-8DF4-6742311E47BD}" type="slidenum">
               <a:rPr lang="en-US" smtClean="0"/>
+              <a:pPr/>
               <a:t>‹#›</a:t>
             </a:fld>
             <a:endParaRPr lang="en-US"/>
@@ -1186,7 +1192,8 @@
           <a:p>
             <a:fld id="{05764686-8DDE-4FC0-A141-4E8A30DD68A3}" type="datetimeFigureOut">
               <a:rPr lang="en-US" smtClean="0"/>
-              <a:t>9/4/2008</a:t>
+              <a:pPr/>
+              <a:t>9/5/2008</a:t>
             </a:fld>
             <a:endParaRPr lang="en-US"/>
           </a:p>
@@ -1228,6 +1235,7 @@
           <a:p>
             <a:fld id="{1E60F443-6D4E-430A-8DF4-6742311E47BD}" type="slidenum">
               <a:rPr lang="en-US" smtClean="0"/>
+              <a:pPr/>
               <a:t>‹#›</a:t>
             </a:fld>
             <a:endParaRPr lang="en-US"/>
@@ -1355,7 +1363,8 @@
           <a:p>
             <a:fld id="{05764686-8DDE-4FC0-A141-4E8A30DD68A3}" type="datetimeFigureOut">
               <a:rPr lang="en-US" smtClean="0"/>
-              <a:t>9/4/2008</a:t>
+              <a:pPr/>
+              <a:t>9/5/2008</a:t>
             </a:fld>
             <a:endParaRPr lang="en-US"/>
           </a:p>
@@ -1397,6 +1406,7 @@
           <a:p>
             <a:fld id="{1E60F443-6D4E-430A-8DF4-6742311E47BD}" type="slidenum">
               <a:rPr lang="en-US" smtClean="0"/>
+              <a:pPr/>
               <a:t>‹#›</a:t>
             </a:fld>
             <a:endParaRPr lang="en-US"/>
@@ -1810,7 +1820,8 @@
           <a:p>
             <a:fld id="{05764686-8DDE-4FC0-A141-4E8A30DD68A3}" type="datetimeFigureOut">
               <a:rPr lang="en-US" smtClean="0"/>
-              <a:t>9/4/2008</a:t>
+              <a:pPr/>
+              <a:t>9/5/2008</a:t>
             </a:fld>
             <a:endParaRPr lang="en-US"/>
           </a:p>
@@ -1852,6 +1863,7 @@
           <a:p>
             <a:fld id="{1E60F443-6D4E-430A-8DF4-6742311E47BD}" type="slidenum">
               <a:rPr lang="en-US" smtClean="0"/>
+              <a:pPr/>
               <a:t>‹#›</a:t>
             </a:fld>
             <a:endParaRPr lang="en-US"/>
@@ -2074,7 +2086,8 @@
           <a:p>
             <a:fld id="{05764686-8DDE-4FC0-A141-4E8A30DD68A3}" type="datetimeFigureOut">
               <a:rPr lang="en-US" smtClean="0"/>
-              <a:t>9/4/2008</a:t>
+              <a:pPr/>
+              <a:t>9/5/2008</a:t>
             </a:fld>
             <a:endParaRPr lang="en-US"/>
           </a:p>
@@ -2116,6 +2129,7 @@
           <a:p>
             <a:fld id="{1E60F443-6D4E-430A-8DF4-6742311E47BD}" type="slidenum">
               <a:rPr lang="en-US" smtClean="0"/>
+              <a:pPr/>
               <a:t>‹#›</a:t>
             </a:fld>
             <a:endParaRPr lang="en-US"/>
@@ -2448,7 +2462,8 @@
           <a:p>
             <a:fld id="{05764686-8DDE-4FC0-A141-4E8A30DD68A3}" type="datetimeFigureOut">
               <a:rPr lang="en-US" smtClean="0"/>
-              <a:t>9/4/2008</a:t>
+              <a:pPr/>
+              <a:t>9/5/2008</a:t>
             </a:fld>
             <a:endParaRPr lang="en-US"/>
           </a:p>
@@ -2490,6 +2505,7 @@
           <a:p>
             <a:fld id="{1E60F443-6D4E-430A-8DF4-6742311E47BD}" type="slidenum">
               <a:rPr lang="en-US" smtClean="0"/>
+              <a:pPr/>
               <a:t>‹#›</a:t>
             </a:fld>
             <a:endParaRPr lang="en-US"/>
@@ -2570,7 +2586,8 @@
           <a:p>
             <a:fld id="{05764686-8DDE-4FC0-A141-4E8A30DD68A3}" type="datetimeFigureOut">
               <a:rPr lang="en-US" smtClean="0"/>
-              <a:t>9/4/2008</a:t>
+              <a:pPr/>
+              <a:t>9/5/2008</a:t>
             </a:fld>
             <a:endParaRPr lang="en-US"/>
           </a:p>
@@ -2593,6 +2610,7 @@
           <a:p>
             <a:fld id="{1E60F443-6D4E-430A-8DF4-6742311E47BD}" type="slidenum">
               <a:rPr lang="en-US" smtClean="0"/>
+              <a:pPr/>
               <a:t>‹#›</a:t>
             </a:fld>
             <a:endParaRPr lang="en-US"/>
@@ -2660,7 +2678,8 @@
           <a:p>
             <a:fld id="{05764686-8DDE-4FC0-A141-4E8A30DD68A3}" type="datetimeFigureOut">
               <a:rPr lang="en-US" smtClean="0"/>
-              <a:t>9/4/2008</a:t>
+              <a:pPr/>
+              <a:t>9/5/2008</a:t>
             </a:fld>
             <a:endParaRPr lang="en-US"/>
           </a:p>
@@ -2702,6 +2721,7 @@
           <a:p>
             <a:fld id="{1E60F443-6D4E-430A-8DF4-6742311E47BD}" type="slidenum">
               <a:rPr lang="en-US" smtClean="0"/>
+              <a:pPr/>
               <a:t>‹#›</a:t>
             </a:fld>
             <a:endParaRPr lang="en-US"/>
@@ -2909,7 +2929,8 @@
           <a:p>
             <a:fld id="{05764686-8DDE-4FC0-A141-4E8A30DD68A3}" type="datetimeFigureOut">
               <a:rPr lang="en-US" smtClean="0"/>
-              <a:t>9/4/2008</a:t>
+              <a:pPr/>
+              <a:t>9/5/2008</a:t>
             </a:fld>
             <a:endParaRPr lang="en-US"/>
           </a:p>
@@ -2956,6 +2977,7 @@
           <a:p>
             <a:fld id="{1E60F443-6D4E-430A-8DF4-6742311E47BD}" type="slidenum">
               <a:rPr lang="en-US" smtClean="0"/>
+              <a:pPr/>
               <a:t>‹#›</a:t>
             </a:fld>
             <a:endParaRPr lang="en-US"/>
@@ -3168,7 +3190,8 @@
           <a:p>
             <a:fld id="{05764686-8DDE-4FC0-A141-4E8A30DD68A3}" type="datetimeFigureOut">
               <a:rPr lang="en-US" smtClean="0"/>
-              <a:t>9/4/2008</a:t>
+              <a:pPr/>
+              <a:t>9/5/2008</a:t>
             </a:fld>
             <a:endParaRPr lang="en-US"/>
           </a:p>
@@ -3210,6 +3233,7 @@
           <a:p>
             <a:fld id="{1E60F443-6D4E-430A-8DF4-6742311E47BD}" type="slidenum">
               <a:rPr lang="en-US" smtClean="0"/>
+              <a:pPr/>
               <a:t>‹#›</a:t>
             </a:fld>
             <a:endParaRPr lang="en-US"/>
@@ -3572,7 +3596,8 @@
           <a:p>
             <a:fld id="{05764686-8DDE-4FC0-A141-4E8A30DD68A3}" type="datetimeFigureOut">
               <a:rPr lang="en-US" smtClean="0"/>
-              <a:t>9/4/2008</a:t>
+              <a:pPr/>
+              <a:t>9/5/2008</a:t>
             </a:fld>
             <a:endParaRPr lang="en-US"/>
           </a:p>
@@ -3650,6 +3675,7 @@
           <a:p>
             <a:fld id="{1E60F443-6D4E-430A-8DF4-6742311E47BD}" type="slidenum">
               <a:rPr lang="en-US" smtClean="0"/>
+              <a:pPr/>
               <a:t>‹#›</a:t>
             </a:fld>
             <a:endParaRPr lang="en-US"/>
@@ -4023,7 +4049,7 @@
   <p:clrMapOvr>
     <a:masterClrMapping/>
   </p:clrMapOvr>
-  <p:transition>
+  <p:transition advTm="20688">
     <p:fade/>
   </p:transition>
   <p:timing>
@@ -4144,14 +4170,24 @@
               <a:t>Validation</a:t>
             </a:r>
           </a:p>
+          <a:p>
+            <a:r>
+              <a:rPr lang="nl-BE" dirty="0" smtClean="0"/>
+              <a:t>...</a:t>
+            </a:r>
+            <a:endParaRPr lang="nl-BE" dirty="0" smtClean="0"/>
+          </a:p>
         </p:txBody>
       </p:sp>
     </p:spTree>
+    <p:custDataLst>
+      <p:tags r:id="rId1"/>
+    </p:custDataLst>
   </p:cSld>
   <p:clrMapOvr>
     <a:masterClrMapping/>
   </p:clrMapOvr>
-  <p:transition>
+  <p:transition advTm="149532">
     <p:fade/>
   </p:transition>
   <p:timing>
@@ -4505,6 +4541,55 @@
                       </p:childTnLst>
                     </p:cTn>
                   </p:par>
+                  <p:par>
+                    <p:cTn id="31" fill="hold">
+                      <p:stCondLst>
+                        <p:cond delay="indefinite"/>
+                      </p:stCondLst>
+                      <p:childTnLst>
+                        <p:par>
+                          <p:cTn id="32" fill="hold">
+                            <p:stCondLst>
+                              <p:cond delay="0"/>
+                            </p:stCondLst>
+                            <p:childTnLst>
+                              <p:par>
+                                <p:cTn id="33" presetID="1" presetClass="entr" presetSubtype="0" fill="hold" grpId="0" nodeType="clickEffect">
+                                  <p:stCondLst>
+                                    <p:cond delay="0"/>
+                                  </p:stCondLst>
+                                  <p:childTnLst>
+                                    <p:set>
+                                      <p:cBhvr>
+                                        <p:cTn id="34" dur="1" fill="hold">
+                                          <p:stCondLst>
+                                            <p:cond delay="0"/>
+                                          </p:stCondLst>
+                                        </p:cTn>
+                                        <p:tgtEl>
+                                          <p:spTgt spid="3">
+                                            <p:txEl>
+                                              <p:pRg st="7" end="7"/>
+                                            </p:txEl>
+                                          </p:spTgt>
+                                        </p:tgtEl>
+                                        <p:attrNameLst>
+                                          <p:attrName>style.visibility</p:attrName>
+                                        </p:attrNameLst>
+                                      </p:cBhvr>
+                                      <p:to>
+                                        <p:strVal val="visible"/>
+                                      </p:to>
+                                    </p:set>
+                                  </p:childTnLst>
+                                </p:cTn>
+                              </p:par>
+                            </p:childTnLst>
+                          </p:cTn>
+                        </p:par>
+                      </p:childTnLst>
+                    </p:cTn>
+                  </p:par>
                 </p:childTnLst>
               </p:cTn>
               <p:prevCondLst>
@@ -4569,7 +4654,15 @@
           <a:p>
             <a:r>
               <a:rPr lang="nl-BE" dirty="0" smtClean="0"/>
-              <a:t>Where do I look for inspiration?</a:t>
+              <a:t>Where </a:t>
+            </a:r>
+            <a:r>
+              <a:rPr lang="nl-BE" dirty="0" smtClean="0"/>
+              <a:t>did I </a:t>
+            </a:r>
+            <a:r>
+              <a:rPr lang="nl-BE" dirty="0" smtClean="0"/>
+              <a:t>look for inspiration?</a:t>
             </a:r>
             <a:endParaRPr lang="en-US" dirty="0"/>
           </a:p>
@@ -4586,7 +4679,7 @@
           </p:nvPr>
         </p:nvPicPr>
         <p:blipFill>
-          <a:blip r:embed="rId2">
+          <a:blip r:embed="rId3">
             <a:clrChange>
               <a:clrFrom>
                 <a:srgbClr val="000000"/>
@@ -4621,11 +4714,14 @@
         </p:spPr>
       </p:pic>
     </p:spTree>
+    <p:custDataLst>
+      <p:tags r:id="rId1"/>
+    </p:custDataLst>
   </p:cSld>
   <p:clrMapOvr>
     <a:masterClrMapping/>
   </p:clrMapOvr>
-  <p:transition>
+  <p:transition advTm="72672">
     <p:fade/>
   </p:transition>
   <p:timing>
@@ -4817,7 +4913,7 @@
   <p:clrMapOvr>
     <a:masterClrMapping/>
   </p:clrMapOvr>
-  <p:transition>
+  <p:transition advTm="42108">
     <p:fade/>
   </p:transition>
   <p:timing>
@@ -4897,7 +4993,7 @@
           </a:p>
           <a:p>
             <a:r>
-              <a:rPr lang="nl-BE" smtClean="0"/>
+              <a:rPr lang="nl-BE" dirty="0" smtClean="0"/>
               <a:t>Fixtures</a:t>
             </a:r>
           </a:p>
@@ -4908,7 +5004,19 @@
             </a:r>
             <a:r>
               <a:rPr lang="nl-BE" baseline="0" dirty="0" smtClean="0"/>
-              <a:t> tests: testing a singla action on a controller</a:t>
+              <a:t> tests: testing </a:t>
+            </a:r>
+            <a:r>
+              <a:rPr lang="nl-BE" baseline="0" smtClean="0"/>
+              <a:t>a </a:t>
+            </a:r>
+            <a:r>
+              <a:rPr lang="nl-BE" baseline="0" smtClean="0"/>
+              <a:t>single </a:t>
+            </a:r>
+            <a:r>
+              <a:rPr lang="nl-BE" baseline="0" dirty="0" smtClean="0"/>
+              <a:t>action on a controller</a:t>
             </a:r>
           </a:p>
           <a:p>
@@ -4931,7 +5039,7 @@
   <p:clrMapOvr>
     <a:masterClrMapping/>
   </p:clrMapOvr>
-  <p:transition>
+  <p:transition advTm="11172">
     <p:fade/>
   </p:transition>
   <p:timing>
@@ -5054,7 +5162,7 @@
   <p:clrMapOvr>
     <a:masterClrMapping/>
   </p:clrMapOvr>
-  <p:transition>
+  <p:transition advTm="735">
     <p:fade/>
   </p:transition>
   <p:timing>
@@ -5065,6 +5173,18 @@
     </p:tnLst>
   </p:timing>
 </p:sld>
+</file>
+
+<file path=ppt/tags/tag1.xml><?xml version="1.0" encoding="utf-8"?>
+<p:tagLst xmlns:a="http://schemas.openxmlformats.org/drawingml/2006/main" xmlns:r="http://schemas.openxmlformats.org/officeDocument/2006/relationships" xmlns:p="http://schemas.openxmlformats.org/presentationml/2006/main">
+  <p:tag name="TIMING" val="|4.4|17.6|14.9|38.9|19.9|33.4|12.3|6"/>
+</p:tagLst>
+</file>
+
+<file path=ppt/tags/tag2.xml><?xml version="1.0" encoding="utf-8"?>
+<p:tagLst xmlns:a="http://schemas.openxmlformats.org/drawingml/2006/main" xmlns:r="http://schemas.openxmlformats.org/officeDocument/2006/relationships" xmlns:p="http://schemas.openxmlformats.org/presentationml/2006/main">
+  <p:tag name="TIMING" val="|8"/>
+</p:tagLst>
 </file>
 
 <file path=ppt/theme/theme1.xml><?xml version="1.0" encoding="utf-8"?>
